--- a/Stegnography.pptx
+++ b/Stegnography.pptx
@@ -5,7 +5,7 @@
     <p:sldMasterId id="2147483712" r:id="rId4"/>
   </p:sldMasterIdLst>
   <p:notesMasterIdLst>
-    <p:notesMasterId r:id="rId19"/>
+    <p:notesMasterId r:id="rId18"/>
   </p:notesMasterIdLst>
   <p:sldIdLst>
     <p:sldId id="256" r:id="rId5"/>
@@ -20,8 +20,7 @@
     <p:sldId id="2146847063" r:id="rId14"/>
     <p:sldId id="2146847062" r:id="rId15"/>
     <p:sldId id="2146847061" r:id="rId16"/>
-    <p:sldId id="2146847055" r:id="rId17"/>
-    <p:sldId id="259" r:id="rId18"/>
+    <p:sldId id="259" r:id="rId17"/>
   </p:sldIdLst>
   <p:sldSz cx="12192000" cy="6858000"/>
   <p:notesSz cx="6858000" cy="9144000"/>
@@ -487,6 +486,90 @@
     </a:lvl9pPr>
   </p:notesStyle>
 </p:notesMaster>
+</file>
+
+<file path=ppt/notesSlides/notesSlide1.xml><?xml version="1.0" encoding="utf-8"?>
+<p:notes xmlns:a="http://schemas.openxmlformats.org/drawingml/2006/main" xmlns:r="http://schemas.openxmlformats.org/officeDocument/2006/relationships" xmlns:p="http://schemas.openxmlformats.org/presentationml/2006/main">
+  <p:cSld>
+    <p:spTree>
+      <p:nvGrpSpPr>
+        <p:cNvPr id="1" name=""/>
+        <p:cNvGrpSpPr/>
+        <p:nvPr/>
+      </p:nvGrpSpPr>
+      <p:grpSpPr>
+        <a:xfrm>
+          <a:off x="0" y="0"/>
+          <a:ext cx="0" cy="0"/>
+          <a:chOff x="0" y="0"/>
+          <a:chExt cx="0" cy="0"/>
+        </a:xfrm>
+      </p:grpSpPr>
+      <p:sp>
+        <p:nvSpPr>
+          <p:cNvPr id="2" name="Slide Image Placeholder 1"/>
+          <p:cNvSpPr>
+            <a:spLocks noGrp="1" noRot="1" noChangeAspect="1"/>
+          </p:cNvSpPr>
+          <p:nvPr>
+            <p:ph type="sldImg"/>
+          </p:nvPr>
+        </p:nvSpPr>
+        <p:spPr/>
+      </p:sp>
+      <p:sp>
+        <p:nvSpPr>
+          <p:cNvPr id="3" name="Notes Placeholder 2"/>
+          <p:cNvSpPr>
+            <a:spLocks noGrp="1"/>
+          </p:cNvSpPr>
+          <p:nvPr>
+            <p:ph type="body" idx="1"/>
+          </p:nvPr>
+        </p:nvSpPr>
+        <p:spPr/>
+        <p:txBody>
+          <a:bodyPr/>
+          <a:lstStyle/>
+          <a:p>
+            <a:endParaRPr lang="en-IN" dirty="0"/>
+          </a:p>
+        </p:txBody>
+      </p:sp>
+      <p:sp>
+        <p:nvSpPr>
+          <p:cNvPr id="4" name="Slide Number Placeholder 3"/>
+          <p:cNvSpPr>
+            <a:spLocks noGrp="1"/>
+          </p:cNvSpPr>
+          <p:nvPr>
+            <p:ph type="sldNum" sz="quarter" idx="5"/>
+          </p:nvPr>
+        </p:nvSpPr>
+        <p:spPr/>
+        <p:txBody>
+          <a:bodyPr/>
+          <a:lstStyle/>
+          <a:p>
+            <a:fld id="{17E254F1-4415-47BF-9E91-C5D4B9A33350}" type="slidenum">
+              <a:rPr lang="en-IN" smtClean="0"/>
+              <a:t>5</a:t>
+            </a:fld>
+            <a:endParaRPr lang="en-IN"/>
+          </a:p>
+        </p:txBody>
+      </p:sp>
+    </p:spTree>
+    <p:extLst>
+      <p:ext uri="{BB962C8B-B14F-4D97-AF65-F5344CB8AC3E}">
+        <p14:creationId xmlns:p14="http://schemas.microsoft.com/office/powerpoint/2010/main" val="1789315163"/>
+      </p:ext>
+    </p:extLst>
+  </p:cSld>
+  <p:clrMapOvr>
+    <a:masterClrMapping/>
+  </p:clrMapOvr>
+</p:notes>
 </file>
 
 <file path=ppt/slideLayouts/slideLayout1.xml><?xml version="1.0" encoding="utf-8"?>
@@ -4645,13 +4728,16 @@
         </p:nvSpPr>
         <p:spPr/>
         <p:txBody>
-          <a:bodyPr/>
+          <a:bodyPr>
+            <a:normAutofit/>
+          </a:bodyPr>
           <a:lstStyle/>
           <a:p>
             <a:r>
-              <a:rPr lang="en-IN" dirty="0"/>
-              <a:t>Conclude your project concerning your problem statement</a:t>
-            </a:r>
+              <a:rPr lang="en-US" sz="1800" dirty="0"/>
+              <a:t>Our steganography project shows that it's possible to hide secret messages in images securely. Using Python and its libraries like OpenCV, we created a tool that lets users hide and retrieve messages without changing the image quality. The extra security with a passcode ensures only the right people can access the hidden message.</a:t>
+            </a:r>
+            <a:endParaRPr lang="en-IN" sz="1800" dirty="0"/>
           </a:p>
         </p:txBody>
       </p:sp>
@@ -4739,9 +4825,24 @@
           <a:lstStyle/>
           <a:p>
             <a:r>
-              <a:rPr lang="en-IN" dirty="0"/>
-              <a:t>Make sure that there should be readme file</a:t>
-            </a:r>
+              <a:rPr lang="en-US" dirty="0">
+                <a:hlinkClick r:id="rId2"/>
+              </a:rPr>
+              <a:t>PrudhviSai990/</a:t>
+            </a:r>
+            <a:r>
+              <a:rPr lang="en-US" dirty="0" err="1">
+                <a:hlinkClick r:id="rId2"/>
+              </a:rPr>
+              <a:t>Stegnography</a:t>
+            </a:r>
+            <a:r>
+              <a:rPr lang="en-US" dirty="0">
+                <a:hlinkClick r:id="rId2"/>
+              </a:rPr>
+              <a:t>: This is made as part of the cybersecurity internship</a:t>
+            </a:r>
+            <a:endParaRPr lang="en-IN" dirty="0"/>
           </a:p>
         </p:txBody>
       </p:sp>
@@ -4777,181 +4878,6 @@
       </p:grpSpPr>
       <p:sp>
         <p:nvSpPr>
-          <p:cNvPr id="3" name="Content Placeholder 2">
-            <a:extLst>
-              <a:ext uri="{FF2B5EF4-FFF2-40B4-BE49-F238E27FC236}">
-                <a16:creationId xmlns:a16="http://schemas.microsoft.com/office/drawing/2014/main" id="{A6638FD1-D00E-E75B-705C-564F06D93D7B}"/>
-              </a:ext>
-            </a:extLst>
-          </p:cNvPr>
-          <p:cNvSpPr>
-            <a:spLocks noGrp="1"/>
-          </p:cNvSpPr>
-          <p:nvPr>
-            <p:ph idx="1"/>
-          </p:nvPr>
-        </p:nvSpPr>
-        <p:spPr/>
-        <p:txBody>
-          <a:bodyPr/>
-          <a:lstStyle/>
-          <a:p>
-            <a:pPr marL="305435" indent="-305435"/>
-            <a:endParaRPr lang="en-US" dirty="0"/>
-          </a:p>
-        </p:txBody>
-      </p:sp>
-      <p:sp>
-        <p:nvSpPr>
-          <p:cNvPr id="5" name="Title 4">
-            <a:extLst>
-              <a:ext uri="{FF2B5EF4-FFF2-40B4-BE49-F238E27FC236}">
-                <a16:creationId xmlns:a16="http://schemas.microsoft.com/office/drawing/2014/main" id="{3F968F13-9AC4-7120-7ACD-9F752C767D5D}"/>
-              </a:ext>
-            </a:extLst>
-          </p:cNvPr>
-          <p:cNvSpPr txBox="1">
-            <a:spLocks/>
-          </p:cNvSpPr>
-          <p:nvPr/>
-        </p:nvSpPr>
-        <p:spPr>
-          <a:xfrm>
-            <a:off x="535670" y="844659"/>
-            <a:ext cx="11029616" cy="530296"/>
-          </a:xfrm>
-          <a:prstGeom prst="rect">
-            <a:avLst/>
-          </a:prstGeom>
-        </p:spPr>
-        <p:txBody>
-          <a:bodyPr vert="horz" lIns="91440" tIns="45720" rIns="91440" bIns="45720" rtlCol="0" anchor="b">
-            <a:normAutofit fontScale="75000" lnSpcReduction="20000"/>
-          </a:bodyPr>
-          <a:lstStyle>
-            <a:lvl1pPr algn="l" defTabSz="457200" rtl="0" eaLnBrk="1" latinLnBrk="0" hangingPunct="1">
-              <a:lnSpc>
-                <a:spcPct val="100000"/>
-              </a:lnSpc>
-              <a:spcBef>
-                <a:spcPct val="0"/>
-              </a:spcBef>
-              <a:buNone/>
-              <a:defRPr sz="2800" b="0" kern="1200" cap="all">
-                <a:solidFill>
-                  <a:schemeClr val="tx1">
-                    <a:lumMod val="75000"/>
-                    <a:lumOff val="25000"/>
-                  </a:schemeClr>
-                </a:solidFill>
-                <a:latin typeface="+mj-lt"/>
-                <a:ea typeface="+mj-ea"/>
-                <a:cs typeface="+mj-cs"/>
-              </a:defRPr>
-            </a:lvl1pPr>
-            <a:lvl2pPr eaLnBrk="1" hangingPunct="1">
-              <a:defRPr>
-                <a:solidFill>
-                  <a:schemeClr val="tx2"/>
-                </a:solidFill>
-              </a:defRPr>
-            </a:lvl2pPr>
-            <a:lvl3pPr eaLnBrk="1" hangingPunct="1">
-              <a:defRPr>
-                <a:solidFill>
-                  <a:schemeClr val="tx2"/>
-                </a:solidFill>
-              </a:defRPr>
-            </a:lvl3pPr>
-            <a:lvl4pPr eaLnBrk="1" hangingPunct="1">
-              <a:defRPr>
-                <a:solidFill>
-                  <a:schemeClr val="tx2"/>
-                </a:solidFill>
-              </a:defRPr>
-            </a:lvl4pPr>
-            <a:lvl5pPr eaLnBrk="1" hangingPunct="1">
-              <a:defRPr>
-                <a:solidFill>
-                  <a:schemeClr val="tx2"/>
-                </a:solidFill>
-              </a:defRPr>
-            </a:lvl5pPr>
-            <a:lvl6pPr eaLnBrk="1" hangingPunct="1">
-              <a:defRPr>
-                <a:solidFill>
-                  <a:schemeClr val="tx2"/>
-                </a:solidFill>
-              </a:defRPr>
-            </a:lvl6pPr>
-            <a:lvl7pPr eaLnBrk="1" hangingPunct="1">
-              <a:defRPr>
-                <a:solidFill>
-                  <a:schemeClr val="tx2"/>
-                </a:solidFill>
-              </a:defRPr>
-            </a:lvl7pPr>
-            <a:lvl8pPr eaLnBrk="1" hangingPunct="1">
-              <a:defRPr>
-                <a:solidFill>
-                  <a:schemeClr val="tx2"/>
-                </a:solidFill>
-              </a:defRPr>
-            </a:lvl8pPr>
-            <a:lvl9pPr eaLnBrk="1" hangingPunct="1">
-              <a:defRPr>
-                <a:solidFill>
-                  <a:schemeClr val="tx2"/>
-                </a:solidFill>
-              </a:defRPr>
-            </a:lvl9pPr>
-          </a:lstStyle>
-          <a:p>
-            <a:r>
-              <a:rPr lang="en-US" sz="4400" b="1" dirty="0">
-                <a:solidFill>
-                  <a:schemeClr val="accent1"/>
-                </a:solidFill>
-                <a:latin typeface="Arial"/>
-                <a:cs typeface="Arial"/>
-              </a:rPr>
-              <a:t>Future scope(optional)</a:t>
-            </a:r>
-          </a:p>
-        </p:txBody>
-      </p:sp>
-    </p:spTree>
-    <p:extLst>
-      <p:ext uri="{BB962C8B-B14F-4D97-AF65-F5344CB8AC3E}">
-        <p14:creationId xmlns:p14="http://schemas.microsoft.com/office/powerpoint/2010/main" val="614882681"/>
-      </p:ext>
-    </p:extLst>
-  </p:cSld>
-  <p:clrMapOvr>
-    <a:masterClrMapping/>
-  </p:clrMapOvr>
-</p:sld>
-</file>
-
-<file path=ppt/slides/slide14.xml><?xml version="1.0" encoding="utf-8"?>
-<p:sld xmlns:a="http://schemas.openxmlformats.org/drawingml/2006/main" xmlns:r="http://schemas.openxmlformats.org/officeDocument/2006/relationships" xmlns:p="http://schemas.openxmlformats.org/presentationml/2006/main">
-  <p:cSld>
-    <p:spTree>
-      <p:nvGrpSpPr>
-        <p:cNvPr id="1" name=""/>
-        <p:cNvGrpSpPr/>
-        <p:nvPr/>
-      </p:nvGrpSpPr>
-      <p:grpSpPr>
-        <a:xfrm>
-          <a:off x="0" y="0"/>
-          <a:ext cx="0" cy="0"/>
-          <a:chOff x="0" y="0"/>
-          <a:chExt cx="0" cy="0"/>
-        </a:xfrm>
-      </p:grpSpPr>
-      <p:sp>
-        <p:nvSpPr>
           <p:cNvPr id="5" name="Title 4">
             <a:extLst>
               <a:ext uri="{FF2B5EF4-FFF2-40B4-BE49-F238E27FC236}">
@@ -5312,8 +5238,8 @@
         </p:nvSpPr>
         <p:spPr>
           <a:xfrm>
-            <a:off x="452403" y="1237632"/>
-            <a:ext cx="11029615" cy="4673324"/>
+            <a:off x="581193" y="136966"/>
+            <a:ext cx="11029615" cy="4587435"/>
           </a:xfrm>
         </p:spPr>
         <p:txBody>
@@ -5326,10 +5252,10 @@
               <a:buNone/>
             </a:pPr>
             <a:r>
-              <a:rPr lang="en-US" sz="3200" dirty="0"/>
+              <a:rPr lang="en-US" sz="2400" dirty="0"/>
               <a:t>The goal of this project is to develop a method for securely transmitting sensitive information within an image file using steganography techniques. Steganography allows for the concealment of a secret message within a non-secret medium (in this case, an image), providing an additional layer of security beyond traditional encryption.</a:t>
             </a:r>
-            <a:endParaRPr lang="en-IN" sz="3200" dirty="0"/>
+            <a:endParaRPr lang="en-IN" sz="2400" dirty="0"/>
           </a:p>
         </p:txBody>
       </p:sp>
@@ -5418,8 +5344,8 @@
         </p:nvSpPr>
         <p:spPr bwMode="auto">
           <a:xfrm>
-            <a:off x="398992" y="-411162"/>
-            <a:ext cx="11614150" cy="5564187"/>
+            <a:off x="581192" y="1381469"/>
+            <a:ext cx="11029616" cy="2215991"/>
           </a:xfrm>
           <a:prstGeom prst="rect">
             <a:avLst/>
@@ -5459,7 +5385,7 @@
           </a:extLst>
         </p:spPr>
         <p:txBody>
-          <a:bodyPr vert="horz" wrap="none" lIns="91440" tIns="45720" rIns="91440" bIns="45720" numCol="1" anchor="ctr" anchorCtr="0" compatLnSpc="1">
+          <a:bodyPr vert="horz" wrap="square" lIns="91440" tIns="45720" rIns="91440" bIns="45720" numCol="1" anchor="ctr" anchorCtr="0" compatLnSpc="1">
             <a:prstTxWarp prst="textNoShape">
               <a:avLst/>
             </a:prstTxWarp>
@@ -5484,7 +5410,7 @@
               <a:tabLst/>
             </a:pPr>
             <a:r>
-              <a:rPr kumimoji="0" lang="en-US" altLang="en-US" sz="1800" b="1" i="0" u="none" strike="noStrike" cap="none" normalizeH="0" baseline="0" dirty="0">
+              <a:rPr kumimoji="0" lang="en-US" altLang="en-US" sz="2000" b="1" i="0" u="none" strike="noStrike" cap="none" normalizeH="0" baseline="0" dirty="0">
                 <a:ln>
                   <a:noFill/>
                 </a:ln>
@@ -5497,7 +5423,7 @@
               <a:t>Programming Language</a:t>
             </a:r>
             <a:r>
-              <a:rPr kumimoji="0" lang="en-US" altLang="en-US" sz="1800" b="0" i="0" u="none" strike="noStrike" cap="none" normalizeH="0" baseline="0" dirty="0">
+              <a:rPr kumimoji="0" lang="en-US" altLang="en-US" sz="2000" b="0" i="0" u="none" strike="noStrike" cap="none" normalizeH="0" baseline="0" dirty="0">
                 <a:ln>
                   <a:noFill/>
                 </a:ln>
@@ -5528,7 +5454,7 @@
               <a:tabLst/>
             </a:pPr>
             <a:r>
-              <a:rPr kumimoji="0" lang="en-US" altLang="en-US" sz="1800" b="1" i="0" u="none" strike="noStrike" cap="none" normalizeH="0" baseline="0" dirty="0">
+              <a:rPr kumimoji="0" lang="en-US" altLang="en-US" sz="2000" b="1" i="0" u="none" strike="noStrike" cap="none" normalizeH="0" baseline="0" dirty="0">
                 <a:ln>
                   <a:noFill/>
                 </a:ln>
@@ -5541,7 +5467,7 @@
               <a:t>Libraries</a:t>
             </a:r>
             <a:r>
-              <a:rPr kumimoji="0" lang="en-US" altLang="en-US" sz="1800" b="0" i="0" u="none" strike="noStrike" cap="none" normalizeH="0" baseline="0" dirty="0">
+              <a:rPr kumimoji="0" lang="en-US" altLang="en-US" sz="2000" b="0" i="0" u="none" strike="noStrike" cap="none" normalizeH="0" baseline="0" dirty="0">
                 <a:ln>
                   <a:noFill/>
                 </a:ln>
@@ -5572,7 +5498,7 @@
               <a:tabLst/>
             </a:pPr>
             <a:r>
-              <a:rPr kumimoji="0" lang="en-US" altLang="en-US" sz="1800" b="1" i="0" u="none" strike="noStrike" cap="none" normalizeH="0" baseline="0" dirty="0">
+              <a:rPr kumimoji="0" lang="en-US" altLang="en-US" sz="2000" b="1" i="0" u="none" strike="noStrike" cap="none" normalizeH="0" baseline="0" dirty="0">
                 <a:ln>
                   <a:noFill/>
                 </a:ln>
@@ -5585,7 +5511,7 @@
               <a:t>OpenCV</a:t>
             </a:r>
             <a:r>
-              <a:rPr kumimoji="0" lang="en-US" altLang="en-US" sz="1800" b="0" i="0" u="none" strike="noStrike" cap="none" normalizeH="0" baseline="0" dirty="0">
+              <a:rPr kumimoji="0" lang="en-US" altLang="en-US" sz="2000" b="0" i="0" u="none" strike="noStrike" cap="none" normalizeH="0" baseline="0" dirty="0">
                 <a:ln>
                   <a:noFill/>
                 </a:ln>
@@ -5616,7 +5542,7 @@
               <a:tabLst/>
             </a:pPr>
             <a:r>
-              <a:rPr kumimoji="0" lang="en-US" altLang="en-US" sz="1800" b="1" i="0" u="none" strike="noStrike" cap="none" normalizeH="0" baseline="0" dirty="0" err="1">
+              <a:rPr kumimoji="0" lang="en-US" altLang="en-US" sz="2000" b="1" i="0" u="none" strike="noStrike" cap="none" normalizeH="0" baseline="0" dirty="0" err="1">
                 <a:ln>
                   <a:noFill/>
                 </a:ln>
@@ -5629,7 +5555,7 @@
               <a:t>os</a:t>
             </a:r>
             <a:r>
-              <a:rPr kumimoji="0" lang="en-US" altLang="en-US" sz="1800" b="0" i="0" u="none" strike="noStrike" cap="none" normalizeH="0" baseline="0" dirty="0">
+              <a:rPr kumimoji="0" lang="en-US" altLang="en-US" sz="2000" b="0" i="0" u="none" strike="noStrike" cap="none" normalizeH="0" baseline="0" dirty="0">
                 <a:ln>
                   <a:noFill/>
                 </a:ln>
@@ -5660,7 +5586,7 @@
               <a:tabLst/>
             </a:pPr>
             <a:r>
-              <a:rPr kumimoji="0" lang="en-US" altLang="en-US" sz="1800" b="1" i="0" u="none" strike="noStrike" cap="none" normalizeH="0" baseline="0" dirty="0">
+              <a:rPr kumimoji="0" lang="en-US" altLang="en-US" sz="2000" b="1" i="0" u="none" strike="noStrike" cap="none" normalizeH="0" baseline="0" dirty="0">
                 <a:ln>
                   <a:noFill/>
                 </a:ln>
@@ -5673,7 +5599,7 @@
               <a:t>PIL (Python Imaging Library)</a:t>
             </a:r>
             <a:r>
-              <a:rPr kumimoji="0" lang="en-US" altLang="en-US" sz="1800" b="0" i="0" u="none" strike="noStrike" cap="none" normalizeH="0" baseline="0" dirty="0">
+              <a:rPr kumimoji="0" lang="en-US" altLang="en-US" sz="2000" b="0" i="0" u="none" strike="noStrike" cap="none" normalizeH="0" baseline="0" dirty="0">
                 <a:ln>
                   <a:noFill/>
                 </a:ln>
@@ -5813,8 +5739,8 @@
         </p:nvSpPr>
         <p:spPr bwMode="auto">
           <a:xfrm>
-            <a:off x="581191" y="1405007"/>
-            <a:ext cx="10705117" cy="4832092"/>
+            <a:off x="581191" y="1544713"/>
+            <a:ext cx="10705117" cy="2554545"/>
           </a:xfrm>
           <a:prstGeom prst="rect">
             <a:avLst/>
@@ -5879,7 +5805,7 @@
               <a:tabLst/>
             </a:pPr>
             <a:r>
-              <a:rPr kumimoji="0" lang="en-US" altLang="en-US" sz="2800" b="1" i="0" u="none" strike="noStrike" cap="none" normalizeH="0" baseline="0" dirty="0">
+              <a:rPr kumimoji="0" lang="en-US" altLang="en-US" sz="2000" b="1" i="0" u="none" strike="noStrike" cap="none" normalizeH="0" baseline="0" dirty="0">
                 <a:ln>
                   <a:noFill/>
                 </a:ln>
@@ -5892,7 +5818,7 @@
               <a:t>Real-time Encoding and Decoding</a:t>
             </a:r>
             <a:r>
-              <a:rPr kumimoji="0" lang="en-US" altLang="en-US" sz="2800" b="0" i="0" u="none" strike="noStrike" cap="none" normalizeH="0" baseline="0" dirty="0">
+              <a:rPr kumimoji="0" lang="en-US" altLang="en-US" sz="2000" b="0" i="0" u="none" strike="noStrike" cap="none" normalizeH="0" baseline="0" dirty="0">
                 <a:ln>
                   <a:noFill/>
                 </a:ln>
@@ -5923,7 +5849,7 @@
               <a:tabLst/>
             </a:pPr>
             <a:r>
-              <a:rPr kumimoji="0" lang="en-US" altLang="en-US" sz="2800" b="1" i="0" u="none" strike="noStrike" cap="none" normalizeH="0" baseline="0" dirty="0">
+              <a:rPr kumimoji="0" lang="en-US" altLang="en-US" sz="2000" b="1" i="0" u="none" strike="noStrike" cap="none" normalizeH="0" baseline="0" dirty="0">
                 <a:ln>
                   <a:noFill/>
                 </a:ln>
@@ -5936,7 +5862,7 @@
               <a:t>High Image Quality</a:t>
             </a:r>
             <a:r>
-              <a:rPr kumimoji="0" lang="en-US" altLang="en-US" sz="2800" b="0" i="0" u="none" strike="noStrike" cap="none" normalizeH="0" baseline="0" dirty="0">
+              <a:rPr kumimoji="0" lang="en-US" altLang="en-US" sz="2000" b="0" i="0" u="none" strike="noStrike" cap="none" normalizeH="0" baseline="0" dirty="0">
                 <a:ln>
                   <a:noFill/>
                 </a:ln>
@@ -5967,7 +5893,7 @@
               <a:tabLst/>
             </a:pPr>
             <a:r>
-              <a:rPr kumimoji="0" lang="en-US" altLang="en-US" sz="2800" b="1" i="0" u="none" strike="noStrike" cap="none" normalizeH="0" baseline="0" dirty="0">
+              <a:rPr kumimoji="0" lang="en-US" altLang="en-US" sz="2000" b="1" i="0" u="none" strike="noStrike" cap="none" normalizeH="0" baseline="0" dirty="0">
                 <a:ln>
                   <a:noFill/>
                 </a:ln>
@@ -5980,7 +5906,7 @@
               <a:t>User Input</a:t>
             </a:r>
             <a:r>
-              <a:rPr kumimoji="0" lang="en-US" altLang="en-US" sz="2800" b="0" i="0" u="none" strike="noStrike" cap="none" normalizeH="0" baseline="0" dirty="0">
+              <a:rPr kumimoji="0" lang="en-US" altLang="en-US" sz="2000" b="0" i="0" u="none" strike="noStrike" cap="none" normalizeH="0" baseline="0" dirty="0">
                 <a:ln>
                   <a:noFill/>
                 </a:ln>
@@ -6011,7 +5937,7 @@
               <a:tabLst/>
             </a:pPr>
             <a:r>
-              <a:rPr kumimoji="0" lang="en-US" altLang="en-US" sz="2800" b="1" i="0" u="none" strike="noStrike" cap="none" normalizeH="0" baseline="0" dirty="0">
+              <a:rPr kumimoji="0" lang="en-US" altLang="en-US" sz="2000" b="1" i="0" u="none" strike="noStrike" cap="none" normalizeH="0" baseline="0" dirty="0">
                 <a:ln>
                   <a:noFill/>
                 </a:ln>
@@ -6024,7 +5950,7 @@
               <a:t>Cross-Platform Compatibility</a:t>
             </a:r>
             <a:r>
-              <a:rPr kumimoji="0" lang="en-US" altLang="en-US" sz="2800" b="0" i="0" u="none" strike="noStrike" cap="none" normalizeH="0" baseline="0" dirty="0">
+              <a:rPr kumimoji="0" lang="en-US" altLang="en-US" sz="2000" b="0" i="0" u="none" strike="noStrike" cap="none" normalizeH="0" baseline="0" dirty="0">
                 <a:ln>
                   <a:noFill/>
                 </a:ln>
@@ -6119,8 +6045,8 @@
         </p:nvSpPr>
         <p:spPr bwMode="auto">
           <a:xfrm>
-            <a:off x="581192" y="1319328"/>
-            <a:ext cx="10501675" cy="3046988"/>
+            <a:off x="581192" y="1289126"/>
+            <a:ext cx="10501675" cy="1938992"/>
           </a:xfrm>
           <a:prstGeom prst="rect">
             <a:avLst/>
@@ -6185,7 +6111,7 @@
               <a:tabLst/>
             </a:pPr>
             <a:r>
-              <a:rPr kumimoji="0" lang="en-US" altLang="en-US" sz="2400" b="1" i="0" u="none" strike="noStrike" cap="none" normalizeH="0" baseline="0" dirty="0">
+              <a:rPr kumimoji="0" lang="en-US" altLang="en-US" sz="2000" b="1" i="0" u="none" strike="noStrike" cap="none" normalizeH="0" baseline="0" dirty="0">
                 <a:ln>
                   <a:noFill/>
                 </a:ln>
@@ -6198,7 +6124,7 @@
               <a:t>Journalists</a:t>
             </a:r>
             <a:r>
-              <a:rPr kumimoji="0" lang="en-US" altLang="en-US" sz="2400" b="0" i="0" u="none" strike="noStrike" cap="none" normalizeH="0" baseline="0" dirty="0">
+              <a:rPr kumimoji="0" lang="en-US" altLang="en-US" sz="2000" b="0" i="0" u="none" strike="noStrike" cap="none" normalizeH="0" baseline="0" dirty="0">
                 <a:ln>
                   <a:noFill/>
                 </a:ln>
@@ -6229,7 +6155,7 @@
               <a:tabLst/>
             </a:pPr>
             <a:r>
-              <a:rPr kumimoji="0" lang="en-US" altLang="en-US" sz="2400" b="1" i="0" u="none" strike="noStrike" cap="none" normalizeH="0" baseline="0" dirty="0">
+              <a:rPr kumimoji="0" lang="en-US" altLang="en-US" sz="2000" b="1" i="0" u="none" strike="noStrike" cap="none" normalizeH="0" baseline="0" dirty="0">
                 <a:ln>
                   <a:noFill/>
                 </a:ln>
@@ -6242,7 +6168,7 @@
               <a:t>Whistleblowers</a:t>
             </a:r>
             <a:r>
-              <a:rPr kumimoji="0" lang="en-US" altLang="en-US" sz="2400" b="0" i="0" u="none" strike="noStrike" cap="none" normalizeH="0" baseline="0" dirty="0">
+              <a:rPr kumimoji="0" lang="en-US" altLang="en-US" sz="2000" b="0" i="0" u="none" strike="noStrike" cap="none" normalizeH="0" baseline="0" dirty="0">
                 <a:ln>
                   <a:noFill/>
                 </a:ln>
@@ -6273,7 +6199,7 @@
               <a:tabLst/>
             </a:pPr>
             <a:r>
-              <a:rPr kumimoji="0" lang="en-US" altLang="en-US" sz="2400" b="1" i="0" u="none" strike="noStrike" cap="none" normalizeH="0" baseline="0" dirty="0">
+              <a:rPr kumimoji="0" lang="en-US" altLang="en-US" sz="2000" b="1" i="0" u="none" strike="noStrike" cap="none" normalizeH="0" baseline="0" dirty="0">
                 <a:ln>
                   <a:noFill/>
                 </a:ln>
@@ -6286,7 +6212,7 @@
               <a:t>Activists</a:t>
             </a:r>
             <a:r>
-              <a:rPr kumimoji="0" lang="en-US" altLang="en-US" sz="2400" b="0" i="0" u="none" strike="noStrike" cap="none" normalizeH="0" baseline="0" dirty="0">
+              <a:rPr kumimoji="0" lang="en-US" altLang="en-US" sz="2000" b="0" i="0" u="none" strike="noStrike" cap="none" normalizeH="0" baseline="0" dirty="0">
                 <a:ln>
                   <a:noFill/>
                 </a:ln>
@@ -6317,7 +6243,7 @@
               <a:tabLst/>
             </a:pPr>
             <a:r>
-              <a:rPr kumimoji="0" lang="en-US" altLang="en-US" sz="2400" b="1" i="0" u="none" strike="noStrike" cap="none" normalizeH="0" baseline="0" dirty="0">
+              <a:rPr kumimoji="0" lang="en-US" altLang="en-US" sz="2000" b="1" i="0" u="none" strike="noStrike" cap="none" normalizeH="0" baseline="0" dirty="0">
                 <a:ln>
                   <a:noFill/>
                 </a:ln>
@@ -6330,7 +6256,7 @@
               <a:t>Business Professionals</a:t>
             </a:r>
             <a:r>
-              <a:rPr kumimoji="0" lang="en-US" altLang="en-US" sz="2400" b="0" i="0" u="none" strike="noStrike" cap="none" normalizeH="0" baseline="0" dirty="0">
+              <a:rPr kumimoji="0" lang="en-US" altLang="en-US" sz="2000" b="0" i="0" u="none" strike="noStrike" cap="none" normalizeH="0" baseline="0" dirty="0">
                 <a:ln>
                   <a:noFill/>
                 </a:ln>
@@ -6361,7 +6287,7 @@
               <a:tabLst/>
             </a:pPr>
             <a:r>
-              <a:rPr kumimoji="0" lang="en-US" altLang="en-US" sz="2400" b="1" i="0" u="none" strike="noStrike" cap="none" normalizeH="0" baseline="0" dirty="0">
+              <a:rPr kumimoji="0" lang="en-US" altLang="en-US" sz="2000" b="1" i="0" u="none" strike="noStrike" cap="none" normalizeH="0" baseline="0" dirty="0">
                 <a:ln>
                   <a:noFill/>
                 </a:ln>
@@ -6374,7 +6300,7 @@
               <a:t>Everyday Users</a:t>
             </a:r>
             <a:r>
-              <a:rPr kumimoji="0" lang="en-US" altLang="en-US" sz="2400" b="0" i="0" u="none" strike="noStrike" cap="none" normalizeH="0" baseline="0" dirty="0">
+              <a:rPr kumimoji="0" lang="en-US" altLang="en-US" sz="2000" b="0" i="0" u="none" strike="noStrike" cap="none" normalizeH="0" baseline="0" dirty="0">
                 <a:ln>
                   <a:noFill/>
                 </a:ln>
@@ -6615,7 +6541,7 @@
           <a:bodyPr/>
           <a:lstStyle/>
           <a:p>
-            <a:endParaRPr lang="en-IN"/>
+            <a:endParaRPr lang="en-IN" dirty="0"/>
           </a:p>
         </p:txBody>
       </p:sp>
